--- a/Quantum walks.pptx
+++ b/Quantum walks.pptx
@@ -5575,7 +5575,7 @@
                 <a:cs typeface="Poppins"/>
                 <a:sym typeface="Poppins"/>
               </a:rPr>
-              <a:t>Pranav,</a:t>
+              <a:t>Pranav M,</a:t>
             </a:r>
           </a:p>
           <a:p>
